--- a/Figure4/Panel_Figure4/Fig4.pptx
+++ b/Figure4/Panel_Figure4/Fig4.pptx
@@ -2,15 +2,15 @@
 <file path=ppt/presentation.xml><?xml version="1.0" encoding="utf-8"?>
 <p:presentation xmlns:a="http://schemas.openxmlformats.org/drawingml/2006/main" xmlns:r="http://schemas.openxmlformats.org/officeDocument/2006/relationships" xmlns:p="http://schemas.openxmlformats.org/presentationml/2006/main" saveSubsetFonts="1" autoCompressPictures="0">
   <p:sldMasterIdLst>
-    <p:sldMasterId id="2147483805" r:id="rId1"/>
+    <p:sldMasterId id="2147483841" r:id="rId1"/>
   </p:sldMasterIdLst>
   <p:notesMasterIdLst>
     <p:notesMasterId r:id="rId3"/>
   </p:notesMasterIdLst>
   <p:sldIdLst>
-    <p:sldId id="256" r:id="rId2"/>
+    <p:sldId id="257" r:id="rId2"/>
   </p:sldIdLst>
-  <p:sldSz cx="6858000" cy="4572000"/>
+  <p:sldSz cx="6858000" cy="5486400"/>
   <p:notesSz cx="6858000" cy="9144000"/>
   <p:defaultTextStyle>
     <a:defPPr>
@@ -197,7 +197,7 @@
           <a:p>
             <a:fld id="{79CDCA09-FA9A-FE47-A967-C142DA2AD5FF}" type="datetimeFigureOut">
               <a:rPr lang="en-US" smtClean="0"/>
-              <a:t>12/5/25</a:t>
+              <a:t>12/12/25</a:t>
             </a:fld>
             <a:endParaRPr lang="en-US"/>
           </a:p>
@@ -215,8 +215,8 @@
         </p:nvSpPr>
         <p:spPr>
           <a:xfrm>
-            <a:off x="1114425" y="1143000"/>
-            <a:ext cx="4629150" cy="3086100"/>
+            <a:off x="1500188" y="1143000"/>
+            <a:ext cx="3857625" cy="3086100"/>
           </a:xfrm>
           <a:prstGeom prst="rect">
             <a:avLst/>
@@ -464,95 +464,6 @@
 </p:notesMaster>
 </file>
 
-<file path=ppt/notesSlides/notesSlide1.xml><?xml version="1.0" encoding="utf-8"?>
-<p:notes xmlns:a="http://schemas.openxmlformats.org/drawingml/2006/main" xmlns:r="http://schemas.openxmlformats.org/officeDocument/2006/relationships" xmlns:p="http://schemas.openxmlformats.org/presentationml/2006/main">
-  <p:cSld>
-    <p:spTree>
-      <p:nvGrpSpPr>
-        <p:cNvPr id="1" name=""/>
-        <p:cNvGrpSpPr/>
-        <p:nvPr/>
-      </p:nvGrpSpPr>
-      <p:grpSpPr>
-        <a:xfrm>
-          <a:off x="0" y="0"/>
-          <a:ext cx="0" cy="0"/>
-          <a:chOff x="0" y="0"/>
-          <a:chExt cx="0" cy="0"/>
-        </a:xfrm>
-      </p:grpSpPr>
-      <p:sp>
-        <p:nvSpPr>
-          <p:cNvPr id="2" name="Slide Image Placeholder 1"/>
-          <p:cNvSpPr>
-            <a:spLocks noGrp="1" noRot="1" noChangeAspect="1"/>
-          </p:cNvSpPr>
-          <p:nvPr>
-            <p:ph type="sldImg"/>
-          </p:nvPr>
-        </p:nvSpPr>
-        <p:spPr>
-          <a:xfrm>
-            <a:off x="1114425" y="1143000"/>
-            <a:ext cx="4629150" cy="3086100"/>
-          </a:xfrm>
-        </p:spPr>
-      </p:sp>
-      <p:sp>
-        <p:nvSpPr>
-          <p:cNvPr id="3" name="Notes Placeholder 2"/>
-          <p:cNvSpPr>
-            <a:spLocks noGrp="1"/>
-          </p:cNvSpPr>
-          <p:nvPr>
-            <p:ph type="body" idx="1"/>
-          </p:nvPr>
-        </p:nvSpPr>
-        <p:spPr/>
-        <p:txBody>
-          <a:bodyPr/>
-          <a:lstStyle/>
-          <a:p>
-            <a:endParaRPr lang="en-US" dirty="0"/>
-          </a:p>
-        </p:txBody>
-      </p:sp>
-      <p:sp>
-        <p:nvSpPr>
-          <p:cNvPr id="4" name="Slide Number Placeholder 3"/>
-          <p:cNvSpPr>
-            <a:spLocks noGrp="1"/>
-          </p:cNvSpPr>
-          <p:nvPr>
-            <p:ph type="sldNum" sz="quarter" idx="5"/>
-          </p:nvPr>
-        </p:nvSpPr>
-        <p:spPr/>
-        <p:txBody>
-          <a:bodyPr/>
-          <a:lstStyle/>
-          <a:p>
-            <a:fld id="{02A46927-0C4B-CB48-8FF7-FEA4D470ABF5}" type="slidenum">
-              <a:rPr lang="en-US" smtClean="0"/>
-              <a:t>1</a:t>
-            </a:fld>
-            <a:endParaRPr lang="en-US"/>
-          </a:p>
-        </p:txBody>
-      </p:sp>
-    </p:spTree>
-    <p:extLst>
-      <p:ext uri="{BB962C8B-B14F-4D97-AF65-F5344CB8AC3E}">
-        <p14:creationId xmlns:p14="http://schemas.microsoft.com/office/powerpoint/2010/main" val="2163308605"/>
-      </p:ext>
-    </p:extLst>
-  </p:cSld>
-  <p:clrMapOvr>
-    <a:masterClrMapping/>
-  </p:clrMapOvr>
-</p:notes>
-</file>
-
 <file path=ppt/slideLayouts/slideLayout1.xml><?xml version="1.0" encoding="utf-8"?>
 <p:sldLayout xmlns:a="http://schemas.openxmlformats.org/drawingml/2006/main" xmlns:r="http://schemas.openxmlformats.org/officeDocument/2006/relationships" xmlns:p="http://schemas.openxmlformats.org/presentationml/2006/main" type="title" preserve="1">
   <p:cSld name="Title Slide">
@@ -582,15 +493,15 @@
         </p:nvSpPr>
         <p:spPr>
           <a:xfrm>
-            <a:off x="514350" y="748242"/>
-            <a:ext cx="5829300" cy="1591733"/>
+            <a:off x="514350" y="897890"/>
+            <a:ext cx="5829300" cy="1910080"/>
           </a:xfrm>
         </p:spPr>
         <p:txBody>
           <a:bodyPr anchor="b"/>
           <a:lstStyle>
             <a:lvl1pPr algn="ctr">
-              <a:defRPr sz="4000"/>
+              <a:defRPr sz="4500"/>
             </a:lvl1pPr>
           </a:lstStyle>
           <a:p>
@@ -614,8 +525,8 @@
         </p:nvSpPr>
         <p:spPr>
           <a:xfrm>
-            <a:off x="857250" y="2401359"/>
-            <a:ext cx="5143500" cy="1103841"/>
+            <a:off x="857250" y="2881630"/>
+            <a:ext cx="5143500" cy="1324610"/>
           </a:xfrm>
         </p:spPr>
         <p:txBody>
@@ -623,39 +534,39 @@
           <a:lstStyle>
             <a:lvl1pPr marL="0" indent="0" algn="ctr">
               <a:buNone/>
-              <a:defRPr sz="1600"/>
+              <a:defRPr sz="1800"/>
             </a:lvl1pPr>
-            <a:lvl2pPr marL="304815" indent="0" algn="ctr">
-              <a:buNone/>
-              <a:defRPr sz="1333"/>
+            <a:lvl2pPr marL="342900" indent="0" algn="ctr">
+              <a:buNone/>
+              <a:defRPr sz="1500"/>
             </a:lvl2pPr>
-            <a:lvl3pPr marL="609630" indent="0" algn="ctr">
+            <a:lvl3pPr marL="685800" indent="0" algn="ctr">
+              <a:buNone/>
+              <a:defRPr sz="1350"/>
+            </a:lvl3pPr>
+            <a:lvl4pPr marL="1028700" indent="0" algn="ctr">
               <a:buNone/>
               <a:defRPr sz="1200"/>
-            </a:lvl3pPr>
-            <a:lvl4pPr marL="914446" indent="0" algn="ctr">
-              <a:buNone/>
-              <a:defRPr sz="1067"/>
             </a:lvl4pPr>
-            <a:lvl5pPr marL="1219261" indent="0" algn="ctr">
-              <a:buNone/>
-              <a:defRPr sz="1067"/>
+            <a:lvl5pPr marL="1371600" indent="0" algn="ctr">
+              <a:buNone/>
+              <a:defRPr sz="1200"/>
             </a:lvl5pPr>
-            <a:lvl6pPr marL="1524076" indent="0" algn="ctr">
-              <a:buNone/>
-              <a:defRPr sz="1067"/>
+            <a:lvl6pPr marL="1714500" indent="0" algn="ctr">
+              <a:buNone/>
+              <a:defRPr sz="1200"/>
             </a:lvl6pPr>
-            <a:lvl7pPr marL="1828891" indent="0" algn="ctr">
-              <a:buNone/>
-              <a:defRPr sz="1067"/>
+            <a:lvl7pPr marL="2057400" indent="0" algn="ctr">
+              <a:buNone/>
+              <a:defRPr sz="1200"/>
             </a:lvl7pPr>
-            <a:lvl8pPr marL="2133707" indent="0" algn="ctr">
-              <a:buNone/>
-              <a:defRPr sz="1067"/>
+            <a:lvl8pPr marL="2400300" indent="0" algn="ctr">
+              <a:buNone/>
+              <a:defRPr sz="1200"/>
             </a:lvl8pPr>
-            <a:lvl9pPr marL="2438522" indent="0" algn="ctr">
-              <a:buNone/>
-              <a:defRPr sz="1067"/>
+            <a:lvl9pPr marL="2743200" indent="0" algn="ctr">
+              <a:buNone/>
+              <a:defRPr sz="1200"/>
             </a:lvl9pPr>
           </a:lstStyle>
           <a:p>
@@ -684,7 +595,7 @@
           <a:p>
             <a:fld id="{ADC70F63-332C-3848-8FC4-A5AA61D38FDB}" type="datetimeFigureOut">
               <a:rPr lang="en-US" smtClean="0"/>
-              <a:t>12/5/25</a:t>
+              <a:t>12/12/25</a:t>
             </a:fld>
             <a:endParaRPr lang="en-US"/>
           </a:p>
@@ -735,7 +646,7 @@
     </p:spTree>
     <p:extLst>
       <p:ext uri="{BB962C8B-B14F-4D97-AF65-F5344CB8AC3E}">
-        <p14:creationId xmlns:p14="http://schemas.microsoft.com/office/powerpoint/2010/main" val="2122350919"/>
+        <p14:creationId xmlns:p14="http://schemas.microsoft.com/office/powerpoint/2010/main" val="3381939318"/>
       </p:ext>
     </p:extLst>
   </p:cSld>
@@ -854,7 +765,7 @@
           <a:p>
             <a:fld id="{ADC70F63-332C-3848-8FC4-A5AA61D38FDB}" type="datetimeFigureOut">
               <a:rPr lang="en-US" smtClean="0"/>
-              <a:t>12/5/25</a:t>
+              <a:t>12/12/25</a:t>
             </a:fld>
             <a:endParaRPr lang="en-US"/>
           </a:p>
@@ -905,7 +816,7 @@
     </p:spTree>
     <p:extLst>
       <p:ext uri="{BB962C8B-B14F-4D97-AF65-F5344CB8AC3E}">
-        <p14:creationId xmlns:p14="http://schemas.microsoft.com/office/powerpoint/2010/main" val="2652973697"/>
+        <p14:creationId xmlns:p14="http://schemas.microsoft.com/office/powerpoint/2010/main" val="645905474"/>
       </p:ext>
     </p:extLst>
   </p:cSld>
@@ -944,8 +855,8 @@
         </p:nvSpPr>
         <p:spPr>
           <a:xfrm>
-            <a:off x="4907757" y="243416"/>
-            <a:ext cx="1478756" cy="3874559"/>
+            <a:off x="4907757" y="292100"/>
+            <a:ext cx="1478756" cy="4649470"/>
           </a:xfrm>
         </p:spPr>
         <p:txBody>
@@ -972,8 +883,8 @@
         </p:nvSpPr>
         <p:spPr>
           <a:xfrm>
-            <a:off x="471488" y="243416"/>
-            <a:ext cx="4350544" cy="3874559"/>
+            <a:off x="471488" y="292100"/>
+            <a:ext cx="4350544" cy="4649470"/>
           </a:xfrm>
         </p:spPr>
         <p:txBody>
@@ -1034,7 +945,7 @@
           <a:p>
             <a:fld id="{ADC70F63-332C-3848-8FC4-A5AA61D38FDB}" type="datetimeFigureOut">
               <a:rPr lang="en-US" smtClean="0"/>
-              <a:t>12/5/25</a:t>
+              <a:t>12/12/25</a:t>
             </a:fld>
             <a:endParaRPr lang="en-US"/>
           </a:p>
@@ -1085,7 +996,7 @@
     </p:spTree>
     <p:extLst>
       <p:ext uri="{BB962C8B-B14F-4D97-AF65-F5344CB8AC3E}">
-        <p14:creationId xmlns:p14="http://schemas.microsoft.com/office/powerpoint/2010/main" val="2362125579"/>
+        <p14:creationId xmlns:p14="http://schemas.microsoft.com/office/powerpoint/2010/main" val="3674840004"/>
       </p:ext>
     </p:extLst>
   </p:cSld>
@@ -1204,7 +1115,7 @@
           <a:p>
             <a:fld id="{ADC70F63-332C-3848-8FC4-A5AA61D38FDB}" type="datetimeFigureOut">
               <a:rPr lang="en-US" smtClean="0"/>
-              <a:t>12/5/25</a:t>
+              <a:t>12/12/25</a:t>
             </a:fld>
             <a:endParaRPr lang="en-US"/>
           </a:p>
@@ -1255,7 +1166,7 @@
     </p:spTree>
     <p:extLst>
       <p:ext uri="{BB962C8B-B14F-4D97-AF65-F5344CB8AC3E}">
-        <p14:creationId xmlns:p14="http://schemas.microsoft.com/office/powerpoint/2010/main" val="2234091918"/>
+        <p14:creationId xmlns:p14="http://schemas.microsoft.com/office/powerpoint/2010/main" val="3313997451"/>
       </p:ext>
     </p:extLst>
   </p:cSld>
@@ -1294,15 +1205,15 @@
         </p:nvSpPr>
         <p:spPr>
           <a:xfrm>
-            <a:off x="467916" y="1139826"/>
-            <a:ext cx="5915025" cy="1901825"/>
+            <a:off x="467916" y="1367791"/>
+            <a:ext cx="5915025" cy="2282190"/>
           </a:xfrm>
         </p:spPr>
         <p:txBody>
           <a:bodyPr anchor="b"/>
           <a:lstStyle>
             <a:lvl1pPr>
-              <a:defRPr sz="4000"/>
+              <a:defRPr sz="4500"/>
             </a:lvl1pPr>
           </a:lstStyle>
           <a:p>
@@ -1326,8 +1237,8 @@
         </p:nvSpPr>
         <p:spPr>
           <a:xfrm>
-            <a:off x="467916" y="3059643"/>
-            <a:ext cx="5915025" cy="1000125"/>
+            <a:off x="467916" y="3671571"/>
+            <a:ext cx="5915025" cy="1200150"/>
           </a:xfrm>
         </p:spPr>
         <p:txBody>
@@ -1335,7 +1246,7 @@
           <a:lstStyle>
             <a:lvl1pPr marL="0" indent="0">
               <a:buNone/>
-              <a:defRPr sz="1600">
+              <a:defRPr sz="1800">
                 <a:solidFill>
                   <a:schemeClr val="tx1">
                     <a:tint val="82000"/>
@@ -1343,9 +1254,9 @@
                 </a:solidFill>
               </a:defRPr>
             </a:lvl1pPr>
-            <a:lvl2pPr marL="304815" indent="0">
-              <a:buNone/>
-              <a:defRPr sz="1333">
+            <a:lvl2pPr marL="342900" indent="0">
+              <a:buNone/>
+              <a:defRPr sz="1500">
                 <a:solidFill>
                   <a:schemeClr val="tx1">
                     <a:tint val="82000"/>
@@ -1353,7 +1264,17 @@
                 </a:solidFill>
               </a:defRPr>
             </a:lvl2pPr>
-            <a:lvl3pPr marL="609630" indent="0">
+            <a:lvl3pPr marL="685800" indent="0">
+              <a:buNone/>
+              <a:defRPr sz="1350">
+                <a:solidFill>
+                  <a:schemeClr val="tx1">
+                    <a:tint val="82000"/>
+                  </a:schemeClr>
+                </a:solidFill>
+              </a:defRPr>
+            </a:lvl3pPr>
+            <a:lvl4pPr marL="1028700" indent="0">
               <a:buNone/>
               <a:defRPr sz="1200">
                 <a:solidFill>
@@ -1362,20 +1283,10 @@
                   </a:schemeClr>
                 </a:solidFill>
               </a:defRPr>
-            </a:lvl3pPr>
-            <a:lvl4pPr marL="914446" indent="0">
-              <a:buNone/>
-              <a:defRPr sz="1067">
-                <a:solidFill>
-                  <a:schemeClr val="tx1">
-                    <a:tint val="82000"/>
-                  </a:schemeClr>
-                </a:solidFill>
-              </a:defRPr>
             </a:lvl4pPr>
-            <a:lvl5pPr marL="1219261" indent="0">
-              <a:buNone/>
-              <a:defRPr sz="1067">
+            <a:lvl5pPr marL="1371600" indent="0">
+              <a:buNone/>
+              <a:defRPr sz="1200">
                 <a:solidFill>
                   <a:schemeClr val="tx1">
                     <a:tint val="82000"/>
@@ -1383,9 +1294,9 @@
                 </a:solidFill>
               </a:defRPr>
             </a:lvl5pPr>
-            <a:lvl6pPr marL="1524076" indent="0">
-              <a:buNone/>
-              <a:defRPr sz="1067">
+            <a:lvl6pPr marL="1714500" indent="0">
+              <a:buNone/>
+              <a:defRPr sz="1200">
                 <a:solidFill>
                   <a:schemeClr val="tx1">
                     <a:tint val="82000"/>
@@ -1393,9 +1304,9 @@
                 </a:solidFill>
               </a:defRPr>
             </a:lvl6pPr>
-            <a:lvl7pPr marL="1828891" indent="0">
-              <a:buNone/>
-              <a:defRPr sz="1067">
+            <a:lvl7pPr marL="2057400" indent="0">
+              <a:buNone/>
+              <a:defRPr sz="1200">
                 <a:solidFill>
                   <a:schemeClr val="tx1">
                     <a:tint val="82000"/>
@@ -1403,9 +1314,9 @@
                 </a:solidFill>
               </a:defRPr>
             </a:lvl7pPr>
-            <a:lvl8pPr marL="2133707" indent="0">
-              <a:buNone/>
-              <a:defRPr sz="1067">
+            <a:lvl8pPr marL="2400300" indent="0">
+              <a:buNone/>
+              <a:defRPr sz="1200">
                 <a:solidFill>
                   <a:schemeClr val="tx1">
                     <a:tint val="82000"/>
@@ -1413,9 +1324,9 @@
                 </a:solidFill>
               </a:defRPr>
             </a:lvl8pPr>
-            <a:lvl9pPr marL="2438522" indent="0">
-              <a:buNone/>
-              <a:defRPr sz="1067">
+            <a:lvl9pPr marL="2743200" indent="0">
+              <a:buNone/>
+              <a:defRPr sz="1200">
                 <a:solidFill>
                   <a:schemeClr val="tx1">
                     <a:tint val="82000"/>
@@ -1450,7 +1361,7 @@
           <a:p>
             <a:fld id="{ADC70F63-332C-3848-8FC4-A5AA61D38FDB}" type="datetimeFigureOut">
               <a:rPr lang="en-US" smtClean="0"/>
-              <a:t>12/5/25</a:t>
+              <a:t>12/12/25</a:t>
             </a:fld>
             <a:endParaRPr lang="en-US"/>
           </a:p>
@@ -1501,7 +1412,7 @@
     </p:spTree>
     <p:extLst>
       <p:ext uri="{BB962C8B-B14F-4D97-AF65-F5344CB8AC3E}">
-        <p14:creationId xmlns:p14="http://schemas.microsoft.com/office/powerpoint/2010/main" val="1483017061"/>
+        <p14:creationId xmlns:p14="http://schemas.microsoft.com/office/powerpoint/2010/main" val="3798389246"/>
       </p:ext>
     </p:extLst>
   </p:cSld>
@@ -1563,8 +1474,8 @@
         </p:nvSpPr>
         <p:spPr>
           <a:xfrm>
-            <a:off x="471488" y="1217083"/>
-            <a:ext cx="2914650" cy="2900892"/>
+            <a:off x="471488" y="1460500"/>
+            <a:ext cx="2914650" cy="3481070"/>
           </a:xfrm>
         </p:spPr>
         <p:txBody>
@@ -1620,8 +1531,8 @@
         </p:nvSpPr>
         <p:spPr>
           <a:xfrm>
-            <a:off x="3471863" y="1217083"/>
-            <a:ext cx="2914650" cy="2900892"/>
+            <a:off x="3471863" y="1460500"/>
+            <a:ext cx="2914650" cy="3481070"/>
           </a:xfrm>
         </p:spPr>
         <p:txBody>
@@ -1682,7 +1593,7 @@
           <a:p>
             <a:fld id="{ADC70F63-332C-3848-8FC4-A5AA61D38FDB}" type="datetimeFigureOut">
               <a:rPr lang="en-US" smtClean="0"/>
-              <a:t>12/5/25</a:t>
+              <a:t>12/12/25</a:t>
             </a:fld>
             <a:endParaRPr lang="en-US"/>
           </a:p>
@@ -1733,7 +1644,7 @@
     </p:spTree>
     <p:extLst>
       <p:ext uri="{BB962C8B-B14F-4D97-AF65-F5344CB8AC3E}">
-        <p14:creationId xmlns:p14="http://schemas.microsoft.com/office/powerpoint/2010/main" val="3133823636"/>
+        <p14:creationId xmlns:p14="http://schemas.microsoft.com/office/powerpoint/2010/main" val="3131664444"/>
       </p:ext>
     </p:extLst>
   </p:cSld>
@@ -1772,8 +1683,8 @@
         </p:nvSpPr>
         <p:spPr>
           <a:xfrm>
-            <a:off x="472381" y="243417"/>
-            <a:ext cx="5915025" cy="883709"/>
+            <a:off x="472381" y="292101"/>
+            <a:ext cx="5915025" cy="1060450"/>
           </a:xfrm>
         </p:spPr>
         <p:txBody>
@@ -1800,8 +1711,8 @@
         </p:nvSpPr>
         <p:spPr>
           <a:xfrm>
-            <a:off x="472381" y="1120775"/>
-            <a:ext cx="2901255" cy="549275"/>
+            <a:off x="472381" y="1344930"/>
+            <a:ext cx="2901255" cy="659130"/>
           </a:xfrm>
         </p:spPr>
         <p:txBody>
@@ -1809,39 +1720,39 @@
           <a:lstStyle>
             <a:lvl1pPr marL="0" indent="0">
               <a:buNone/>
-              <a:defRPr sz="1600" b="1"/>
+              <a:defRPr sz="1800" b="1"/>
             </a:lvl1pPr>
-            <a:lvl2pPr marL="304815" indent="0">
-              <a:buNone/>
-              <a:defRPr sz="1333" b="1"/>
+            <a:lvl2pPr marL="342900" indent="0">
+              <a:buNone/>
+              <a:defRPr sz="1500" b="1"/>
             </a:lvl2pPr>
-            <a:lvl3pPr marL="609630" indent="0">
+            <a:lvl3pPr marL="685800" indent="0">
+              <a:buNone/>
+              <a:defRPr sz="1350" b="1"/>
+            </a:lvl3pPr>
+            <a:lvl4pPr marL="1028700" indent="0">
               <a:buNone/>
               <a:defRPr sz="1200" b="1"/>
-            </a:lvl3pPr>
-            <a:lvl4pPr marL="914446" indent="0">
-              <a:buNone/>
-              <a:defRPr sz="1067" b="1"/>
             </a:lvl4pPr>
-            <a:lvl5pPr marL="1219261" indent="0">
-              <a:buNone/>
-              <a:defRPr sz="1067" b="1"/>
+            <a:lvl5pPr marL="1371600" indent="0">
+              <a:buNone/>
+              <a:defRPr sz="1200" b="1"/>
             </a:lvl5pPr>
-            <a:lvl6pPr marL="1524076" indent="0">
-              <a:buNone/>
-              <a:defRPr sz="1067" b="1"/>
+            <a:lvl6pPr marL="1714500" indent="0">
+              <a:buNone/>
+              <a:defRPr sz="1200" b="1"/>
             </a:lvl6pPr>
-            <a:lvl7pPr marL="1828891" indent="0">
-              <a:buNone/>
-              <a:defRPr sz="1067" b="1"/>
+            <a:lvl7pPr marL="2057400" indent="0">
+              <a:buNone/>
+              <a:defRPr sz="1200" b="1"/>
             </a:lvl7pPr>
-            <a:lvl8pPr marL="2133707" indent="0">
-              <a:buNone/>
-              <a:defRPr sz="1067" b="1"/>
+            <a:lvl8pPr marL="2400300" indent="0">
+              <a:buNone/>
+              <a:defRPr sz="1200" b="1"/>
             </a:lvl8pPr>
-            <a:lvl9pPr marL="2438522" indent="0">
-              <a:buNone/>
-              <a:defRPr sz="1067" b="1"/>
+            <a:lvl9pPr marL="2743200" indent="0">
+              <a:buNone/>
+              <a:defRPr sz="1200" b="1"/>
             </a:lvl9pPr>
           </a:lstStyle>
           <a:p>
@@ -1865,8 +1776,8 @@
         </p:nvSpPr>
         <p:spPr>
           <a:xfrm>
-            <a:off x="472381" y="1670050"/>
-            <a:ext cx="2901255" cy="2456392"/>
+            <a:off x="472381" y="2004060"/>
+            <a:ext cx="2901255" cy="2947670"/>
           </a:xfrm>
         </p:spPr>
         <p:txBody>
@@ -1922,8 +1833,8 @@
         </p:nvSpPr>
         <p:spPr>
           <a:xfrm>
-            <a:off x="3471863" y="1120775"/>
-            <a:ext cx="2915543" cy="549275"/>
+            <a:off x="3471863" y="1344930"/>
+            <a:ext cx="2915543" cy="659130"/>
           </a:xfrm>
         </p:spPr>
         <p:txBody>
@@ -1931,39 +1842,39 @@
           <a:lstStyle>
             <a:lvl1pPr marL="0" indent="0">
               <a:buNone/>
-              <a:defRPr sz="1600" b="1"/>
+              <a:defRPr sz="1800" b="1"/>
             </a:lvl1pPr>
-            <a:lvl2pPr marL="304815" indent="0">
-              <a:buNone/>
-              <a:defRPr sz="1333" b="1"/>
+            <a:lvl2pPr marL="342900" indent="0">
+              <a:buNone/>
+              <a:defRPr sz="1500" b="1"/>
             </a:lvl2pPr>
-            <a:lvl3pPr marL="609630" indent="0">
+            <a:lvl3pPr marL="685800" indent="0">
+              <a:buNone/>
+              <a:defRPr sz="1350" b="1"/>
+            </a:lvl3pPr>
+            <a:lvl4pPr marL="1028700" indent="0">
               <a:buNone/>
               <a:defRPr sz="1200" b="1"/>
-            </a:lvl3pPr>
-            <a:lvl4pPr marL="914446" indent="0">
-              <a:buNone/>
-              <a:defRPr sz="1067" b="1"/>
             </a:lvl4pPr>
-            <a:lvl5pPr marL="1219261" indent="0">
-              <a:buNone/>
-              <a:defRPr sz="1067" b="1"/>
+            <a:lvl5pPr marL="1371600" indent="0">
+              <a:buNone/>
+              <a:defRPr sz="1200" b="1"/>
             </a:lvl5pPr>
-            <a:lvl6pPr marL="1524076" indent="0">
-              <a:buNone/>
-              <a:defRPr sz="1067" b="1"/>
+            <a:lvl6pPr marL="1714500" indent="0">
+              <a:buNone/>
+              <a:defRPr sz="1200" b="1"/>
             </a:lvl6pPr>
-            <a:lvl7pPr marL="1828891" indent="0">
-              <a:buNone/>
-              <a:defRPr sz="1067" b="1"/>
+            <a:lvl7pPr marL="2057400" indent="0">
+              <a:buNone/>
+              <a:defRPr sz="1200" b="1"/>
             </a:lvl7pPr>
-            <a:lvl8pPr marL="2133707" indent="0">
-              <a:buNone/>
-              <a:defRPr sz="1067" b="1"/>
+            <a:lvl8pPr marL="2400300" indent="0">
+              <a:buNone/>
+              <a:defRPr sz="1200" b="1"/>
             </a:lvl8pPr>
-            <a:lvl9pPr marL="2438522" indent="0">
-              <a:buNone/>
-              <a:defRPr sz="1067" b="1"/>
+            <a:lvl9pPr marL="2743200" indent="0">
+              <a:buNone/>
+              <a:defRPr sz="1200" b="1"/>
             </a:lvl9pPr>
           </a:lstStyle>
           <a:p>
@@ -1987,8 +1898,8 @@
         </p:nvSpPr>
         <p:spPr>
           <a:xfrm>
-            <a:off x="3471863" y="1670050"/>
-            <a:ext cx="2915543" cy="2456392"/>
+            <a:off x="3471863" y="2004060"/>
+            <a:ext cx="2915543" cy="2947670"/>
           </a:xfrm>
         </p:spPr>
         <p:txBody>
@@ -2049,7 +1960,7 @@
           <a:p>
             <a:fld id="{ADC70F63-332C-3848-8FC4-A5AA61D38FDB}" type="datetimeFigureOut">
               <a:rPr lang="en-US" smtClean="0"/>
-              <a:t>12/5/25</a:t>
+              <a:t>12/12/25</a:t>
             </a:fld>
             <a:endParaRPr lang="en-US"/>
           </a:p>
@@ -2100,7 +2011,7 @@
     </p:spTree>
     <p:extLst>
       <p:ext uri="{BB962C8B-B14F-4D97-AF65-F5344CB8AC3E}">
-        <p14:creationId xmlns:p14="http://schemas.microsoft.com/office/powerpoint/2010/main" val="1386533144"/>
+        <p14:creationId xmlns:p14="http://schemas.microsoft.com/office/powerpoint/2010/main" val="1521827390"/>
       </p:ext>
     </p:extLst>
   </p:cSld>
@@ -2167,7 +2078,7 @@
           <a:p>
             <a:fld id="{ADC70F63-332C-3848-8FC4-A5AA61D38FDB}" type="datetimeFigureOut">
               <a:rPr lang="en-US" smtClean="0"/>
-              <a:t>12/5/25</a:t>
+              <a:t>12/12/25</a:t>
             </a:fld>
             <a:endParaRPr lang="en-US"/>
           </a:p>
@@ -2218,7 +2129,7 @@
     </p:spTree>
     <p:extLst>
       <p:ext uri="{BB962C8B-B14F-4D97-AF65-F5344CB8AC3E}">
-        <p14:creationId xmlns:p14="http://schemas.microsoft.com/office/powerpoint/2010/main" val="1415797801"/>
+        <p14:creationId xmlns:p14="http://schemas.microsoft.com/office/powerpoint/2010/main" val="2862462760"/>
       </p:ext>
     </p:extLst>
   </p:cSld>
@@ -2262,7 +2173,7 @@
           <a:p>
             <a:fld id="{ADC70F63-332C-3848-8FC4-A5AA61D38FDB}" type="datetimeFigureOut">
               <a:rPr lang="en-US" smtClean="0"/>
-              <a:t>12/5/25</a:t>
+              <a:t>12/12/25</a:t>
             </a:fld>
             <a:endParaRPr lang="en-US"/>
           </a:p>
@@ -2313,7 +2224,7 @@
     </p:spTree>
     <p:extLst>
       <p:ext uri="{BB962C8B-B14F-4D97-AF65-F5344CB8AC3E}">
-        <p14:creationId xmlns:p14="http://schemas.microsoft.com/office/powerpoint/2010/main" val="4005202804"/>
+        <p14:creationId xmlns:p14="http://schemas.microsoft.com/office/powerpoint/2010/main" val="2217285292"/>
       </p:ext>
     </p:extLst>
   </p:cSld>
@@ -2352,15 +2263,15 @@
         </p:nvSpPr>
         <p:spPr>
           <a:xfrm>
-            <a:off x="472381" y="304800"/>
-            <a:ext cx="2211884" cy="1066800"/>
+            <a:off x="472381" y="365760"/>
+            <a:ext cx="2211884" cy="1280160"/>
           </a:xfrm>
         </p:spPr>
         <p:txBody>
           <a:bodyPr anchor="b"/>
           <a:lstStyle>
             <a:lvl1pPr>
-              <a:defRPr sz="2133"/>
+              <a:defRPr sz="2400"/>
             </a:lvl1pPr>
           </a:lstStyle>
           <a:p>
@@ -2384,39 +2295,39 @@
         </p:nvSpPr>
         <p:spPr>
           <a:xfrm>
-            <a:off x="2915543" y="658284"/>
-            <a:ext cx="3471863" cy="3249083"/>
+            <a:off x="2915543" y="789941"/>
+            <a:ext cx="3471863" cy="3898900"/>
           </a:xfrm>
         </p:spPr>
         <p:txBody>
           <a:bodyPr/>
           <a:lstStyle>
             <a:lvl1pPr>
-              <a:defRPr sz="2133"/>
+              <a:defRPr sz="2400"/>
             </a:lvl1pPr>
             <a:lvl2pPr>
-              <a:defRPr sz="1867"/>
+              <a:defRPr sz="2100"/>
             </a:lvl2pPr>
             <a:lvl3pPr>
-              <a:defRPr sz="1600"/>
+              <a:defRPr sz="1800"/>
             </a:lvl3pPr>
             <a:lvl4pPr>
-              <a:defRPr sz="1333"/>
+              <a:defRPr sz="1500"/>
             </a:lvl4pPr>
             <a:lvl5pPr>
-              <a:defRPr sz="1333"/>
+              <a:defRPr sz="1500"/>
             </a:lvl5pPr>
             <a:lvl6pPr>
-              <a:defRPr sz="1333"/>
+              <a:defRPr sz="1500"/>
             </a:lvl6pPr>
             <a:lvl7pPr>
-              <a:defRPr sz="1333"/>
+              <a:defRPr sz="1500"/>
             </a:lvl7pPr>
             <a:lvl8pPr>
-              <a:defRPr sz="1333"/>
+              <a:defRPr sz="1500"/>
             </a:lvl8pPr>
             <a:lvl9pPr>
-              <a:defRPr sz="1333"/>
+              <a:defRPr sz="1500"/>
             </a:lvl9pPr>
           </a:lstStyle>
           <a:p>
@@ -2469,8 +2380,8 @@
         </p:nvSpPr>
         <p:spPr>
           <a:xfrm>
-            <a:off x="472381" y="1371600"/>
-            <a:ext cx="2211884" cy="2541059"/>
+            <a:off x="472381" y="1645920"/>
+            <a:ext cx="2211884" cy="3049270"/>
           </a:xfrm>
         </p:spPr>
         <p:txBody>
@@ -2478,39 +2389,39 @@
           <a:lstStyle>
             <a:lvl1pPr marL="0" indent="0">
               <a:buNone/>
-              <a:defRPr sz="1067"/>
+              <a:defRPr sz="1200"/>
             </a:lvl1pPr>
-            <a:lvl2pPr marL="304815" indent="0">
-              <a:buNone/>
-              <a:defRPr sz="933"/>
+            <a:lvl2pPr marL="342900" indent="0">
+              <a:buNone/>
+              <a:defRPr sz="1050"/>
             </a:lvl2pPr>
-            <a:lvl3pPr marL="609630" indent="0">
-              <a:buNone/>
-              <a:defRPr sz="800"/>
+            <a:lvl3pPr marL="685800" indent="0">
+              <a:buNone/>
+              <a:defRPr sz="900"/>
             </a:lvl3pPr>
-            <a:lvl4pPr marL="914446" indent="0">
-              <a:buNone/>
-              <a:defRPr sz="667"/>
+            <a:lvl4pPr marL="1028700" indent="0">
+              <a:buNone/>
+              <a:defRPr sz="750"/>
             </a:lvl4pPr>
-            <a:lvl5pPr marL="1219261" indent="0">
-              <a:buNone/>
-              <a:defRPr sz="667"/>
+            <a:lvl5pPr marL="1371600" indent="0">
+              <a:buNone/>
+              <a:defRPr sz="750"/>
             </a:lvl5pPr>
-            <a:lvl6pPr marL="1524076" indent="0">
-              <a:buNone/>
-              <a:defRPr sz="667"/>
+            <a:lvl6pPr marL="1714500" indent="0">
+              <a:buNone/>
+              <a:defRPr sz="750"/>
             </a:lvl6pPr>
-            <a:lvl7pPr marL="1828891" indent="0">
-              <a:buNone/>
-              <a:defRPr sz="667"/>
+            <a:lvl7pPr marL="2057400" indent="0">
+              <a:buNone/>
+              <a:defRPr sz="750"/>
             </a:lvl7pPr>
-            <a:lvl8pPr marL="2133707" indent="0">
-              <a:buNone/>
-              <a:defRPr sz="667"/>
+            <a:lvl8pPr marL="2400300" indent="0">
+              <a:buNone/>
+              <a:defRPr sz="750"/>
             </a:lvl8pPr>
-            <a:lvl9pPr marL="2438522" indent="0">
-              <a:buNone/>
-              <a:defRPr sz="667"/>
+            <a:lvl9pPr marL="2743200" indent="0">
+              <a:buNone/>
+              <a:defRPr sz="750"/>
             </a:lvl9pPr>
           </a:lstStyle>
           <a:p>
@@ -2539,7 +2450,7 @@
           <a:p>
             <a:fld id="{ADC70F63-332C-3848-8FC4-A5AA61D38FDB}" type="datetimeFigureOut">
               <a:rPr lang="en-US" smtClean="0"/>
-              <a:t>12/5/25</a:t>
+              <a:t>12/12/25</a:t>
             </a:fld>
             <a:endParaRPr lang="en-US"/>
           </a:p>
@@ -2590,7 +2501,7 @@
     </p:spTree>
     <p:extLst>
       <p:ext uri="{BB962C8B-B14F-4D97-AF65-F5344CB8AC3E}">
-        <p14:creationId xmlns:p14="http://schemas.microsoft.com/office/powerpoint/2010/main" val="4064682096"/>
+        <p14:creationId xmlns:p14="http://schemas.microsoft.com/office/powerpoint/2010/main" val="2599703712"/>
       </p:ext>
     </p:extLst>
   </p:cSld>
@@ -2629,15 +2540,15 @@
         </p:nvSpPr>
         <p:spPr>
           <a:xfrm>
-            <a:off x="472381" y="304800"/>
-            <a:ext cx="2211884" cy="1066800"/>
+            <a:off x="472381" y="365760"/>
+            <a:ext cx="2211884" cy="1280160"/>
           </a:xfrm>
         </p:spPr>
         <p:txBody>
           <a:bodyPr anchor="b"/>
           <a:lstStyle>
             <a:lvl1pPr>
-              <a:defRPr sz="2133"/>
+              <a:defRPr sz="2400"/>
             </a:lvl1pPr>
           </a:lstStyle>
           <a:p>
@@ -2661,8 +2572,8 @@
         </p:nvSpPr>
         <p:spPr>
           <a:xfrm>
-            <a:off x="2915543" y="658284"/>
-            <a:ext cx="3471863" cy="3249083"/>
+            <a:off x="2915543" y="789941"/>
+            <a:ext cx="3471863" cy="3898900"/>
           </a:xfrm>
         </p:spPr>
         <p:txBody>
@@ -2670,39 +2581,39 @@
           <a:lstStyle>
             <a:lvl1pPr marL="0" indent="0">
               <a:buNone/>
-              <a:defRPr sz="2133"/>
+              <a:defRPr sz="2400"/>
             </a:lvl1pPr>
-            <a:lvl2pPr marL="304815" indent="0">
-              <a:buNone/>
-              <a:defRPr sz="1867"/>
+            <a:lvl2pPr marL="342900" indent="0">
+              <a:buNone/>
+              <a:defRPr sz="2100"/>
             </a:lvl2pPr>
-            <a:lvl3pPr marL="609630" indent="0">
-              <a:buNone/>
-              <a:defRPr sz="1600"/>
+            <a:lvl3pPr marL="685800" indent="0">
+              <a:buNone/>
+              <a:defRPr sz="1800"/>
             </a:lvl3pPr>
-            <a:lvl4pPr marL="914446" indent="0">
-              <a:buNone/>
-              <a:defRPr sz="1333"/>
+            <a:lvl4pPr marL="1028700" indent="0">
+              <a:buNone/>
+              <a:defRPr sz="1500"/>
             </a:lvl4pPr>
-            <a:lvl5pPr marL="1219261" indent="0">
-              <a:buNone/>
-              <a:defRPr sz="1333"/>
+            <a:lvl5pPr marL="1371600" indent="0">
+              <a:buNone/>
+              <a:defRPr sz="1500"/>
             </a:lvl5pPr>
-            <a:lvl6pPr marL="1524076" indent="0">
-              <a:buNone/>
-              <a:defRPr sz="1333"/>
+            <a:lvl6pPr marL="1714500" indent="0">
+              <a:buNone/>
+              <a:defRPr sz="1500"/>
             </a:lvl6pPr>
-            <a:lvl7pPr marL="1828891" indent="0">
-              <a:buNone/>
-              <a:defRPr sz="1333"/>
+            <a:lvl7pPr marL="2057400" indent="0">
+              <a:buNone/>
+              <a:defRPr sz="1500"/>
             </a:lvl7pPr>
-            <a:lvl8pPr marL="2133707" indent="0">
-              <a:buNone/>
-              <a:defRPr sz="1333"/>
+            <a:lvl8pPr marL="2400300" indent="0">
+              <a:buNone/>
+              <a:defRPr sz="1500"/>
             </a:lvl8pPr>
-            <a:lvl9pPr marL="2438522" indent="0">
-              <a:buNone/>
-              <a:defRPr sz="1333"/>
+            <a:lvl9pPr marL="2743200" indent="0">
+              <a:buNone/>
+              <a:defRPr sz="1500"/>
             </a:lvl9pPr>
           </a:lstStyle>
           <a:p>
@@ -2726,8 +2637,8 @@
         </p:nvSpPr>
         <p:spPr>
           <a:xfrm>
-            <a:off x="472381" y="1371600"/>
-            <a:ext cx="2211884" cy="2541059"/>
+            <a:off x="472381" y="1645920"/>
+            <a:ext cx="2211884" cy="3049270"/>
           </a:xfrm>
         </p:spPr>
         <p:txBody>
@@ -2735,39 +2646,39 @@
           <a:lstStyle>
             <a:lvl1pPr marL="0" indent="0">
               <a:buNone/>
-              <a:defRPr sz="1067"/>
+              <a:defRPr sz="1200"/>
             </a:lvl1pPr>
-            <a:lvl2pPr marL="304815" indent="0">
-              <a:buNone/>
-              <a:defRPr sz="933"/>
+            <a:lvl2pPr marL="342900" indent="0">
+              <a:buNone/>
+              <a:defRPr sz="1050"/>
             </a:lvl2pPr>
-            <a:lvl3pPr marL="609630" indent="0">
-              <a:buNone/>
-              <a:defRPr sz="800"/>
+            <a:lvl3pPr marL="685800" indent="0">
+              <a:buNone/>
+              <a:defRPr sz="900"/>
             </a:lvl3pPr>
-            <a:lvl4pPr marL="914446" indent="0">
-              <a:buNone/>
-              <a:defRPr sz="667"/>
+            <a:lvl4pPr marL="1028700" indent="0">
+              <a:buNone/>
+              <a:defRPr sz="750"/>
             </a:lvl4pPr>
-            <a:lvl5pPr marL="1219261" indent="0">
-              <a:buNone/>
-              <a:defRPr sz="667"/>
+            <a:lvl5pPr marL="1371600" indent="0">
+              <a:buNone/>
+              <a:defRPr sz="750"/>
             </a:lvl5pPr>
-            <a:lvl6pPr marL="1524076" indent="0">
-              <a:buNone/>
-              <a:defRPr sz="667"/>
+            <a:lvl6pPr marL="1714500" indent="0">
+              <a:buNone/>
+              <a:defRPr sz="750"/>
             </a:lvl6pPr>
-            <a:lvl7pPr marL="1828891" indent="0">
-              <a:buNone/>
-              <a:defRPr sz="667"/>
+            <a:lvl7pPr marL="2057400" indent="0">
+              <a:buNone/>
+              <a:defRPr sz="750"/>
             </a:lvl7pPr>
-            <a:lvl8pPr marL="2133707" indent="0">
-              <a:buNone/>
-              <a:defRPr sz="667"/>
+            <a:lvl8pPr marL="2400300" indent="0">
+              <a:buNone/>
+              <a:defRPr sz="750"/>
             </a:lvl8pPr>
-            <a:lvl9pPr marL="2438522" indent="0">
-              <a:buNone/>
-              <a:defRPr sz="667"/>
+            <a:lvl9pPr marL="2743200" indent="0">
+              <a:buNone/>
+              <a:defRPr sz="750"/>
             </a:lvl9pPr>
           </a:lstStyle>
           <a:p>
@@ -2796,7 +2707,7 @@
           <a:p>
             <a:fld id="{ADC70F63-332C-3848-8FC4-A5AA61D38FDB}" type="datetimeFigureOut">
               <a:rPr lang="en-US" smtClean="0"/>
-              <a:t>12/5/25</a:t>
+              <a:t>12/12/25</a:t>
             </a:fld>
             <a:endParaRPr lang="en-US"/>
           </a:p>
@@ -2847,7 +2758,7 @@
     </p:spTree>
     <p:extLst>
       <p:ext uri="{BB962C8B-B14F-4D97-AF65-F5344CB8AC3E}">
-        <p14:creationId xmlns:p14="http://schemas.microsoft.com/office/powerpoint/2010/main" val="3691377657"/>
+        <p14:creationId xmlns:p14="http://schemas.microsoft.com/office/powerpoint/2010/main" val="2501229306"/>
       </p:ext>
     </p:extLst>
   </p:cSld>
@@ -2891,8 +2802,8 @@
         </p:nvSpPr>
         <p:spPr>
           <a:xfrm>
-            <a:off x="471488" y="243417"/>
-            <a:ext cx="5915025" cy="883709"/>
+            <a:off x="471488" y="292101"/>
+            <a:ext cx="5915025" cy="1060450"/>
           </a:xfrm>
           <a:prstGeom prst="rect">
             <a:avLst/>
@@ -2924,8 +2835,8 @@
         </p:nvSpPr>
         <p:spPr>
           <a:xfrm>
-            <a:off x="471488" y="1217083"/>
-            <a:ext cx="5915025" cy="2900892"/>
+            <a:off x="471488" y="1460500"/>
+            <a:ext cx="5915025" cy="3481070"/>
           </a:xfrm>
           <a:prstGeom prst="rect">
             <a:avLst/>
@@ -2986,8 +2897,8 @@
         </p:nvSpPr>
         <p:spPr>
           <a:xfrm>
-            <a:off x="471487" y="4237568"/>
-            <a:ext cx="1543050" cy="243417"/>
+            <a:off x="471487" y="5085081"/>
+            <a:ext cx="1543050" cy="292100"/>
           </a:xfrm>
           <a:prstGeom prst="rect">
             <a:avLst/>
@@ -2997,7 +2908,7 @@
           <a:bodyPr vert="horz" lIns="91440" tIns="45720" rIns="91440" bIns="45720" rtlCol="0" anchor="ctr"/>
           <a:lstStyle>
             <a:lvl1pPr algn="l">
-              <a:defRPr sz="800">
+              <a:defRPr sz="900">
                 <a:solidFill>
                   <a:schemeClr val="tx1">
                     <a:tint val="82000"/>
@@ -3009,7 +2920,7 @@
           <a:p>
             <a:fld id="{ADC70F63-332C-3848-8FC4-A5AA61D38FDB}" type="datetimeFigureOut">
               <a:rPr lang="en-US" smtClean="0"/>
-              <a:t>12/5/25</a:t>
+              <a:t>12/12/25</a:t>
             </a:fld>
             <a:endParaRPr lang="en-US"/>
           </a:p>
@@ -3027,8 +2938,8 @@
         </p:nvSpPr>
         <p:spPr>
           <a:xfrm>
-            <a:off x="2271713" y="4237568"/>
-            <a:ext cx="2314575" cy="243417"/>
+            <a:off x="2271713" y="5085081"/>
+            <a:ext cx="2314575" cy="292100"/>
           </a:xfrm>
           <a:prstGeom prst="rect">
             <a:avLst/>
@@ -3038,7 +2949,7 @@
           <a:bodyPr vert="horz" lIns="91440" tIns="45720" rIns="91440" bIns="45720" rtlCol="0" anchor="ctr"/>
           <a:lstStyle>
             <a:lvl1pPr algn="ctr">
-              <a:defRPr sz="800">
+              <a:defRPr sz="900">
                 <a:solidFill>
                   <a:schemeClr val="tx1">
                     <a:tint val="82000"/>
@@ -3064,8 +2975,8 @@
         </p:nvSpPr>
         <p:spPr>
           <a:xfrm>
-            <a:off x="4843463" y="4237568"/>
-            <a:ext cx="1543050" cy="243417"/>
+            <a:off x="4843463" y="5085081"/>
+            <a:ext cx="1543050" cy="292100"/>
           </a:xfrm>
           <a:prstGeom prst="rect">
             <a:avLst/>
@@ -3075,7 +2986,7 @@
           <a:bodyPr vert="horz" lIns="91440" tIns="45720" rIns="91440" bIns="45720" rtlCol="0" anchor="ctr"/>
           <a:lstStyle>
             <a:lvl1pPr algn="r">
-              <a:defRPr sz="800">
+              <a:defRPr sz="900">
                 <a:solidFill>
                   <a:schemeClr val="tx1">
                     <a:tint val="82000"/>
@@ -3096,27 +3007,27 @@
     </p:spTree>
     <p:extLst>
       <p:ext uri="{BB962C8B-B14F-4D97-AF65-F5344CB8AC3E}">
-        <p14:creationId xmlns:p14="http://schemas.microsoft.com/office/powerpoint/2010/main" val="1631799865"/>
+        <p14:creationId xmlns:p14="http://schemas.microsoft.com/office/powerpoint/2010/main" val="2762381079"/>
       </p:ext>
     </p:extLst>
   </p:cSld>
   <p:clrMap bg1="lt1" tx1="dk1" bg2="lt2" tx2="dk2" accent1="accent1" accent2="accent2" accent3="accent3" accent4="accent4" accent5="accent5" accent6="accent6" hlink="hlink" folHlink="folHlink"/>
   <p:sldLayoutIdLst>
-    <p:sldLayoutId id="2147483806" r:id="rId1"/>
-    <p:sldLayoutId id="2147483807" r:id="rId2"/>
-    <p:sldLayoutId id="2147483808" r:id="rId3"/>
-    <p:sldLayoutId id="2147483809" r:id="rId4"/>
-    <p:sldLayoutId id="2147483810" r:id="rId5"/>
-    <p:sldLayoutId id="2147483811" r:id="rId6"/>
-    <p:sldLayoutId id="2147483812" r:id="rId7"/>
-    <p:sldLayoutId id="2147483813" r:id="rId8"/>
-    <p:sldLayoutId id="2147483814" r:id="rId9"/>
-    <p:sldLayoutId id="2147483815" r:id="rId10"/>
-    <p:sldLayoutId id="2147483816" r:id="rId11"/>
+    <p:sldLayoutId id="2147483842" r:id="rId1"/>
+    <p:sldLayoutId id="2147483843" r:id="rId2"/>
+    <p:sldLayoutId id="2147483844" r:id="rId3"/>
+    <p:sldLayoutId id="2147483845" r:id="rId4"/>
+    <p:sldLayoutId id="2147483846" r:id="rId5"/>
+    <p:sldLayoutId id="2147483847" r:id="rId6"/>
+    <p:sldLayoutId id="2147483848" r:id="rId7"/>
+    <p:sldLayoutId id="2147483849" r:id="rId8"/>
+    <p:sldLayoutId id="2147483850" r:id="rId9"/>
+    <p:sldLayoutId id="2147483851" r:id="rId10"/>
+    <p:sldLayoutId id="2147483852" r:id="rId11"/>
   </p:sldLayoutIdLst>
   <p:txStyles>
     <p:titleStyle>
-      <a:lvl1pPr algn="l" defTabSz="609630" rtl="0" eaLnBrk="1" latinLnBrk="0" hangingPunct="1">
+      <a:lvl1pPr algn="l" defTabSz="685800" rtl="0" eaLnBrk="1" latinLnBrk="0" hangingPunct="1">
         <a:lnSpc>
           <a:spcPct val="90000"/>
         </a:lnSpc>
@@ -3124,7 +3035,7 @@
           <a:spcPct val="0"/>
         </a:spcBef>
         <a:buNone/>
-        <a:defRPr sz="2933" kern="1200">
+        <a:defRPr sz="3300" kern="1200">
           <a:solidFill>
             <a:schemeClr val="tx1"/>
           </a:solidFill>
@@ -3135,16 +3046,16 @@
       </a:lvl1pPr>
     </p:titleStyle>
     <p:bodyStyle>
-      <a:lvl1pPr marL="152408" indent="-152408" algn="l" defTabSz="609630" rtl="0" eaLnBrk="1" latinLnBrk="0" hangingPunct="1">
+      <a:lvl1pPr marL="171450" indent="-171450" algn="l" defTabSz="685800" rtl="0" eaLnBrk="1" latinLnBrk="0" hangingPunct="1">
         <a:lnSpc>
           <a:spcPct val="90000"/>
         </a:lnSpc>
         <a:spcBef>
-          <a:spcPts val="667"/>
+          <a:spcPts val="750"/>
         </a:spcBef>
         <a:buFont typeface="Arial" panose="020B0604020202020204" pitchFamily="34" charset="0"/>
         <a:buChar char="•"/>
-        <a:defRPr sz="1867" kern="1200">
+        <a:defRPr sz="2100" kern="1200">
           <a:solidFill>
             <a:schemeClr val="tx1"/>
           </a:solidFill>
@@ -3153,16 +3064,16 @@
           <a:cs typeface="+mn-cs"/>
         </a:defRPr>
       </a:lvl1pPr>
-      <a:lvl2pPr marL="457223" indent="-152408" algn="l" defTabSz="609630" rtl="0" eaLnBrk="1" latinLnBrk="0" hangingPunct="1">
+      <a:lvl2pPr marL="514350" indent="-171450" algn="l" defTabSz="685800" rtl="0" eaLnBrk="1" latinLnBrk="0" hangingPunct="1">
         <a:lnSpc>
           <a:spcPct val="90000"/>
         </a:lnSpc>
         <a:spcBef>
-          <a:spcPts val="333"/>
+          <a:spcPts val="375"/>
         </a:spcBef>
         <a:buFont typeface="Arial" panose="020B0604020202020204" pitchFamily="34" charset="0"/>
         <a:buChar char="•"/>
-        <a:defRPr sz="1600" kern="1200">
+        <a:defRPr sz="1800" kern="1200">
           <a:solidFill>
             <a:schemeClr val="tx1"/>
           </a:solidFill>
@@ -3171,16 +3082,16 @@
           <a:cs typeface="+mn-cs"/>
         </a:defRPr>
       </a:lvl2pPr>
-      <a:lvl3pPr marL="762038" indent="-152408" algn="l" defTabSz="609630" rtl="0" eaLnBrk="1" latinLnBrk="0" hangingPunct="1">
+      <a:lvl3pPr marL="857250" indent="-171450" algn="l" defTabSz="685800" rtl="0" eaLnBrk="1" latinLnBrk="0" hangingPunct="1">
         <a:lnSpc>
           <a:spcPct val="90000"/>
         </a:lnSpc>
         <a:spcBef>
-          <a:spcPts val="333"/>
+          <a:spcPts val="375"/>
         </a:spcBef>
         <a:buFont typeface="Arial" panose="020B0604020202020204" pitchFamily="34" charset="0"/>
         <a:buChar char="•"/>
-        <a:defRPr sz="1333" kern="1200">
+        <a:defRPr sz="1500" kern="1200">
           <a:solidFill>
             <a:schemeClr val="tx1"/>
           </a:solidFill>
@@ -3189,16 +3100,16 @@
           <a:cs typeface="+mn-cs"/>
         </a:defRPr>
       </a:lvl3pPr>
-      <a:lvl4pPr marL="1066853" indent="-152408" algn="l" defTabSz="609630" rtl="0" eaLnBrk="1" latinLnBrk="0" hangingPunct="1">
+      <a:lvl4pPr marL="1200150" indent="-171450" algn="l" defTabSz="685800" rtl="0" eaLnBrk="1" latinLnBrk="0" hangingPunct="1">
         <a:lnSpc>
           <a:spcPct val="90000"/>
         </a:lnSpc>
         <a:spcBef>
-          <a:spcPts val="333"/>
+          <a:spcPts val="375"/>
         </a:spcBef>
         <a:buFont typeface="Arial" panose="020B0604020202020204" pitchFamily="34" charset="0"/>
         <a:buChar char="•"/>
-        <a:defRPr sz="1200" kern="1200">
+        <a:defRPr sz="1350" kern="1200">
           <a:solidFill>
             <a:schemeClr val="tx1"/>
           </a:solidFill>
@@ -3207,16 +3118,16 @@
           <a:cs typeface="+mn-cs"/>
         </a:defRPr>
       </a:lvl4pPr>
-      <a:lvl5pPr marL="1371669" indent="-152408" algn="l" defTabSz="609630" rtl="0" eaLnBrk="1" latinLnBrk="0" hangingPunct="1">
+      <a:lvl5pPr marL="1543050" indent="-171450" algn="l" defTabSz="685800" rtl="0" eaLnBrk="1" latinLnBrk="0" hangingPunct="1">
         <a:lnSpc>
           <a:spcPct val="90000"/>
         </a:lnSpc>
         <a:spcBef>
-          <a:spcPts val="333"/>
+          <a:spcPts val="375"/>
         </a:spcBef>
         <a:buFont typeface="Arial" panose="020B0604020202020204" pitchFamily="34" charset="0"/>
         <a:buChar char="•"/>
-        <a:defRPr sz="1200" kern="1200">
+        <a:defRPr sz="1350" kern="1200">
           <a:solidFill>
             <a:schemeClr val="tx1"/>
           </a:solidFill>
@@ -3225,16 +3136,16 @@
           <a:cs typeface="+mn-cs"/>
         </a:defRPr>
       </a:lvl5pPr>
-      <a:lvl6pPr marL="1676484" indent="-152408" algn="l" defTabSz="609630" rtl="0" eaLnBrk="1" latinLnBrk="0" hangingPunct="1">
+      <a:lvl6pPr marL="1885950" indent="-171450" algn="l" defTabSz="685800" rtl="0" eaLnBrk="1" latinLnBrk="0" hangingPunct="1">
         <a:lnSpc>
           <a:spcPct val="90000"/>
         </a:lnSpc>
         <a:spcBef>
-          <a:spcPts val="333"/>
+          <a:spcPts val="375"/>
         </a:spcBef>
         <a:buFont typeface="Arial" panose="020B0604020202020204" pitchFamily="34" charset="0"/>
         <a:buChar char="•"/>
-        <a:defRPr sz="1200" kern="1200">
+        <a:defRPr sz="1350" kern="1200">
           <a:solidFill>
             <a:schemeClr val="tx1"/>
           </a:solidFill>
@@ -3243,16 +3154,16 @@
           <a:cs typeface="+mn-cs"/>
         </a:defRPr>
       </a:lvl6pPr>
-      <a:lvl7pPr marL="1981299" indent="-152408" algn="l" defTabSz="609630" rtl="0" eaLnBrk="1" latinLnBrk="0" hangingPunct="1">
+      <a:lvl7pPr marL="2228850" indent="-171450" algn="l" defTabSz="685800" rtl="0" eaLnBrk="1" latinLnBrk="0" hangingPunct="1">
         <a:lnSpc>
           <a:spcPct val="90000"/>
         </a:lnSpc>
         <a:spcBef>
-          <a:spcPts val="333"/>
+          <a:spcPts val="375"/>
         </a:spcBef>
         <a:buFont typeface="Arial" panose="020B0604020202020204" pitchFamily="34" charset="0"/>
         <a:buChar char="•"/>
-        <a:defRPr sz="1200" kern="1200">
+        <a:defRPr sz="1350" kern="1200">
           <a:solidFill>
             <a:schemeClr val="tx1"/>
           </a:solidFill>
@@ -3261,16 +3172,16 @@
           <a:cs typeface="+mn-cs"/>
         </a:defRPr>
       </a:lvl7pPr>
-      <a:lvl8pPr marL="2286114" indent="-152408" algn="l" defTabSz="609630" rtl="0" eaLnBrk="1" latinLnBrk="0" hangingPunct="1">
+      <a:lvl8pPr marL="2571750" indent="-171450" algn="l" defTabSz="685800" rtl="0" eaLnBrk="1" latinLnBrk="0" hangingPunct="1">
         <a:lnSpc>
           <a:spcPct val="90000"/>
         </a:lnSpc>
         <a:spcBef>
-          <a:spcPts val="333"/>
+          <a:spcPts val="375"/>
         </a:spcBef>
         <a:buFont typeface="Arial" panose="020B0604020202020204" pitchFamily="34" charset="0"/>
         <a:buChar char="•"/>
-        <a:defRPr sz="1200" kern="1200">
+        <a:defRPr sz="1350" kern="1200">
           <a:solidFill>
             <a:schemeClr val="tx1"/>
           </a:solidFill>
@@ -3279,16 +3190,16 @@
           <a:cs typeface="+mn-cs"/>
         </a:defRPr>
       </a:lvl8pPr>
-      <a:lvl9pPr marL="2590930" indent="-152408" algn="l" defTabSz="609630" rtl="0" eaLnBrk="1" latinLnBrk="0" hangingPunct="1">
+      <a:lvl9pPr marL="2914650" indent="-171450" algn="l" defTabSz="685800" rtl="0" eaLnBrk="1" latinLnBrk="0" hangingPunct="1">
         <a:lnSpc>
           <a:spcPct val="90000"/>
         </a:lnSpc>
         <a:spcBef>
-          <a:spcPts val="333"/>
+          <a:spcPts val="375"/>
         </a:spcBef>
         <a:buFont typeface="Arial" panose="020B0604020202020204" pitchFamily="34" charset="0"/>
         <a:buChar char="•"/>
-        <a:defRPr sz="1200" kern="1200">
+        <a:defRPr sz="1350" kern="1200">
           <a:solidFill>
             <a:schemeClr val="tx1"/>
           </a:solidFill>
@@ -3302,8 +3213,8 @@
       <a:defPPr>
         <a:defRPr lang="en-US"/>
       </a:defPPr>
-      <a:lvl1pPr marL="0" algn="l" defTabSz="609630" rtl="0" eaLnBrk="1" latinLnBrk="0" hangingPunct="1">
-        <a:defRPr sz="1200" kern="1200">
+      <a:lvl1pPr marL="0" algn="l" defTabSz="685800" rtl="0" eaLnBrk="1" latinLnBrk="0" hangingPunct="1">
+        <a:defRPr sz="1350" kern="1200">
           <a:solidFill>
             <a:schemeClr val="tx1"/>
           </a:solidFill>
@@ -3312,8 +3223,8 @@
           <a:cs typeface="+mn-cs"/>
         </a:defRPr>
       </a:lvl1pPr>
-      <a:lvl2pPr marL="304815" algn="l" defTabSz="609630" rtl="0" eaLnBrk="1" latinLnBrk="0" hangingPunct="1">
-        <a:defRPr sz="1200" kern="1200">
+      <a:lvl2pPr marL="342900" algn="l" defTabSz="685800" rtl="0" eaLnBrk="1" latinLnBrk="0" hangingPunct="1">
+        <a:defRPr sz="1350" kern="1200">
           <a:solidFill>
             <a:schemeClr val="tx1"/>
           </a:solidFill>
@@ -3322,8 +3233,8 @@
           <a:cs typeface="+mn-cs"/>
         </a:defRPr>
       </a:lvl2pPr>
-      <a:lvl3pPr marL="609630" algn="l" defTabSz="609630" rtl="0" eaLnBrk="1" latinLnBrk="0" hangingPunct="1">
-        <a:defRPr sz="1200" kern="1200">
+      <a:lvl3pPr marL="685800" algn="l" defTabSz="685800" rtl="0" eaLnBrk="1" latinLnBrk="0" hangingPunct="1">
+        <a:defRPr sz="1350" kern="1200">
           <a:solidFill>
             <a:schemeClr val="tx1"/>
           </a:solidFill>
@@ -3332,8 +3243,8 @@
           <a:cs typeface="+mn-cs"/>
         </a:defRPr>
       </a:lvl3pPr>
-      <a:lvl4pPr marL="914446" algn="l" defTabSz="609630" rtl="0" eaLnBrk="1" latinLnBrk="0" hangingPunct="1">
-        <a:defRPr sz="1200" kern="1200">
+      <a:lvl4pPr marL="1028700" algn="l" defTabSz="685800" rtl="0" eaLnBrk="1" latinLnBrk="0" hangingPunct="1">
+        <a:defRPr sz="1350" kern="1200">
           <a:solidFill>
             <a:schemeClr val="tx1"/>
           </a:solidFill>
@@ -3342,8 +3253,8 @@
           <a:cs typeface="+mn-cs"/>
         </a:defRPr>
       </a:lvl4pPr>
-      <a:lvl5pPr marL="1219261" algn="l" defTabSz="609630" rtl="0" eaLnBrk="1" latinLnBrk="0" hangingPunct="1">
-        <a:defRPr sz="1200" kern="1200">
+      <a:lvl5pPr marL="1371600" algn="l" defTabSz="685800" rtl="0" eaLnBrk="1" latinLnBrk="0" hangingPunct="1">
+        <a:defRPr sz="1350" kern="1200">
           <a:solidFill>
             <a:schemeClr val="tx1"/>
           </a:solidFill>
@@ -3352,8 +3263,8 @@
           <a:cs typeface="+mn-cs"/>
         </a:defRPr>
       </a:lvl5pPr>
-      <a:lvl6pPr marL="1524076" algn="l" defTabSz="609630" rtl="0" eaLnBrk="1" latinLnBrk="0" hangingPunct="1">
-        <a:defRPr sz="1200" kern="1200">
+      <a:lvl6pPr marL="1714500" algn="l" defTabSz="685800" rtl="0" eaLnBrk="1" latinLnBrk="0" hangingPunct="1">
+        <a:defRPr sz="1350" kern="1200">
           <a:solidFill>
             <a:schemeClr val="tx1"/>
           </a:solidFill>
@@ -3362,8 +3273,8 @@
           <a:cs typeface="+mn-cs"/>
         </a:defRPr>
       </a:lvl6pPr>
-      <a:lvl7pPr marL="1828891" algn="l" defTabSz="609630" rtl="0" eaLnBrk="1" latinLnBrk="0" hangingPunct="1">
-        <a:defRPr sz="1200" kern="1200">
+      <a:lvl7pPr marL="2057400" algn="l" defTabSz="685800" rtl="0" eaLnBrk="1" latinLnBrk="0" hangingPunct="1">
+        <a:defRPr sz="1350" kern="1200">
           <a:solidFill>
             <a:schemeClr val="tx1"/>
           </a:solidFill>
@@ -3372,8 +3283,8 @@
           <a:cs typeface="+mn-cs"/>
         </a:defRPr>
       </a:lvl7pPr>
-      <a:lvl8pPr marL="2133707" algn="l" defTabSz="609630" rtl="0" eaLnBrk="1" latinLnBrk="0" hangingPunct="1">
-        <a:defRPr sz="1200" kern="1200">
+      <a:lvl8pPr marL="2400300" algn="l" defTabSz="685800" rtl="0" eaLnBrk="1" latinLnBrk="0" hangingPunct="1">
+        <a:defRPr sz="1350" kern="1200">
           <a:solidFill>
             <a:schemeClr val="tx1"/>
           </a:solidFill>
@@ -3382,8 +3293,8 @@
           <a:cs typeface="+mn-cs"/>
         </a:defRPr>
       </a:lvl8pPr>
-      <a:lvl9pPr marL="2438522" algn="l" defTabSz="609630" rtl="0" eaLnBrk="1" latinLnBrk="0" hangingPunct="1">
-        <a:defRPr sz="1200" kern="1200">
+      <a:lvl9pPr marL="2743200" algn="l" defTabSz="685800" rtl="0" eaLnBrk="1" latinLnBrk="0" hangingPunct="1">
+        <a:defRPr sz="1350" kern="1200">
           <a:solidFill>
             <a:schemeClr val="tx1"/>
           </a:solidFill>
@@ -3416,10 +3327,10 @@
       </p:grpSpPr>
       <p:pic>
         <p:nvPicPr>
-          <p:cNvPr id="3" name="Picture 2" descr="A graph of different colored lines&#10;&#10;AI-generated content may be incorrect.">
+          <p:cNvPr id="5" name="Picture 4" descr="A close-up of a graph&#10;&#10;AI-generated content may be incorrect.">
             <a:extLst>
               <a:ext uri="{FF2B5EF4-FFF2-40B4-BE49-F238E27FC236}">
-                <a16:creationId xmlns:a16="http://schemas.microsoft.com/office/drawing/2014/main" id="{4F820184-4DE4-9118-1E71-84320885AA02}"/>
+                <a16:creationId xmlns:a16="http://schemas.microsoft.com/office/drawing/2014/main" id="{480927A0-2791-C2B1-72B7-EDE5C7BD51CF}"/>
               </a:ext>
             </a:extLst>
           </p:cNvPr>
@@ -3429,226 +3340,29 @@
           <p:nvPr/>
         </p:nvPicPr>
         <p:blipFill>
-          <a:blip r:embed="rId3"/>
+          <a:blip r:embed="rId2"/>
           <a:stretch>
             <a:fillRect/>
           </a:stretch>
         </p:blipFill>
         <p:spPr>
           <a:xfrm>
-            <a:off x="2306" y="2460457"/>
-            <a:ext cx="3163824" cy="2109217"/>
+            <a:off x="-8313" y="-13"/>
+            <a:ext cx="6858000" cy="3151636"/>
           </a:xfrm>
           <a:prstGeom prst="rect">
             <a:avLst/>
           </a:prstGeom>
         </p:spPr>
       </p:pic>
-      <p:pic>
-        <p:nvPicPr>
-          <p:cNvPr id="11" name="Picture 10" descr="A graph with a red line and blue line&#10;&#10;AI-generated content may be incorrect.">
-            <a:extLst>
-              <a:ext uri="{FF2B5EF4-FFF2-40B4-BE49-F238E27FC236}">
-                <a16:creationId xmlns:a16="http://schemas.microsoft.com/office/drawing/2014/main" id="{E9EE09D5-52C9-17DC-E29F-8A3510777346}"/>
-              </a:ext>
-            </a:extLst>
-          </p:cNvPr>
-          <p:cNvPicPr>
-            <a:picLocks noChangeAspect="1"/>
-          </p:cNvPicPr>
-          <p:nvPr/>
-        </p:nvPicPr>
-        <p:blipFill>
-          <a:blip r:embed="rId4"/>
-          <a:stretch>
-            <a:fillRect/>
-          </a:stretch>
-        </p:blipFill>
-        <p:spPr>
-          <a:xfrm>
-            <a:off x="3337541" y="2460457"/>
-            <a:ext cx="3519237" cy="2111543"/>
-          </a:xfrm>
-          <a:prstGeom prst="rect">
-            <a:avLst/>
-          </a:prstGeom>
-        </p:spPr>
-      </p:pic>
-      <p:pic>
-        <p:nvPicPr>
-          <p:cNvPr id="18" name="Picture 17" descr="A graph of a number of people&#10;&#10;AI-generated content may be incorrect.">
-            <a:extLst>
-              <a:ext uri="{FF2B5EF4-FFF2-40B4-BE49-F238E27FC236}">
-                <a16:creationId xmlns:a16="http://schemas.microsoft.com/office/drawing/2014/main" id="{8F3A5625-9EDE-FF5E-A874-22450D43F9EA}"/>
-              </a:ext>
-            </a:extLst>
-          </p:cNvPr>
-          <p:cNvPicPr>
-            <a:picLocks noChangeAspect="1"/>
-          </p:cNvPicPr>
-          <p:nvPr/>
-        </p:nvPicPr>
-        <p:blipFill>
-          <a:blip r:embed="rId5"/>
-          <a:stretch>
-            <a:fillRect/>
-          </a:stretch>
-        </p:blipFill>
-        <p:spPr>
-          <a:xfrm>
-            <a:off x="15367" y="19207"/>
-            <a:ext cx="6825791" cy="2266793"/>
-          </a:xfrm>
-          <a:prstGeom prst="rect">
-            <a:avLst/>
-          </a:prstGeom>
-        </p:spPr>
-      </p:pic>
-      <p:sp>
-        <p:nvSpPr>
-          <p:cNvPr id="33" name="TextBox 32">
-            <a:extLst>
-              <a:ext uri="{FF2B5EF4-FFF2-40B4-BE49-F238E27FC236}">
-                <a16:creationId xmlns:a16="http://schemas.microsoft.com/office/drawing/2014/main" id="{F359F154-34CA-13CA-8E46-AD0A17A2E3B7}"/>
-              </a:ext>
-            </a:extLst>
-          </p:cNvPr>
-          <p:cNvSpPr txBox="1"/>
-          <p:nvPr/>
-        </p:nvSpPr>
-        <p:spPr>
-          <a:xfrm>
-            <a:off x="-67977" y="2328254"/>
-            <a:ext cx="245889" cy="307777"/>
-          </a:xfrm>
-          <a:prstGeom prst="rect">
-            <a:avLst/>
-          </a:prstGeom>
-          <a:noFill/>
-        </p:spPr>
-        <p:txBody>
-          <a:bodyPr wrap="square" rtlCol="0">
-            <a:spAutoFit/>
-          </a:bodyPr>
-          <a:lstStyle/>
-          <a:p>
-            <a:r>
-              <a:rPr lang="en-US" sz="1400" b="1" dirty="0"/>
-              <a:t>d</a:t>
-            </a:r>
-          </a:p>
-        </p:txBody>
-      </p:sp>
-      <p:sp>
-        <p:nvSpPr>
-          <p:cNvPr id="34" name="TextBox 33">
-            <a:extLst>
-              <a:ext uri="{FF2B5EF4-FFF2-40B4-BE49-F238E27FC236}">
-                <a16:creationId xmlns:a16="http://schemas.microsoft.com/office/drawing/2014/main" id="{2BA027C6-B48B-1192-118C-D86B24DE50D9}"/>
-              </a:ext>
-            </a:extLst>
-          </p:cNvPr>
-          <p:cNvSpPr txBox="1"/>
-          <p:nvPr/>
-        </p:nvSpPr>
-        <p:spPr>
-          <a:xfrm>
-            <a:off x="3175053" y="2328254"/>
-            <a:ext cx="245889" cy="307777"/>
-          </a:xfrm>
-          <a:prstGeom prst="rect">
-            <a:avLst/>
-          </a:prstGeom>
-          <a:noFill/>
-        </p:spPr>
-        <p:txBody>
-          <a:bodyPr wrap="square" rtlCol="0">
-            <a:spAutoFit/>
-          </a:bodyPr>
-          <a:lstStyle/>
-          <a:p>
-            <a:r>
-              <a:rPr lang="en-US" sz="1400" b="1" dirty="0"/>
-              <a:t>e</a:t>
-            </a:r>
-          </a:p>
-        </p:txBody>
-      </p:sp>
-      <p:sp>
-        <p:nvSpPr>
-          <p:cNvPr id="2" name="TextBox 1">
-            <a:extLst>
-              <a:ext uri="{FF2B5EF4-FFF2-40B4-BE49-F238E27FC236}">
-                <a16:creationId xmlns:a16="http://schemas.microsoft.com/office/drawing/2014/main" id="{E78A062F-03A4-F743-7DD4-EDEEB0DB4A38}"/>
-              </a:ext>
-            </a:extLst>
-          </p:cNvPr>
-          <p:cNvSpPr txBox="1"/>
-          <p:nvPr/>
-        </p:nvSpPr>
-        <p:spPr>
-          <a:xfrm>
-            <a:off x="-21069" y="326031"/>
-            <a:ext cx="323732" cy="1655169"/>
-          </a:xfrm>
-          <a:prstGeom prst="rect">
-            <a:avLst/>
-          </a:prstGeom>
-          <a:solidFill>
-            <a:schemeClr val="bg1"/>
-          </a:solidFill>
-        </p:spPr>
-        <p:txBody>
-          <a:bodyPr vert="vert270" wrap="square" rtlCol="0">
-            <a:spAutoFit/>
-          </a:bodyPr>
-          <a:lstStyle/>
-          <a:p>
-            <a:pPr algn="ctr"/>
-            <a:r>
-              <a:rPr lang="en-US" sz="800" dirty="0">
-                <a:solidFill>
-                  <a:schemeClr val="tx1">
-                    <a:lumMod val="75000"/>
-                    <a:lumOff val="25000"/>
-                  </a:schemeClr>
-                </a:solidFill>
-              </a:rPr>
-              <a:t>% of life-span reduction in </a:t>
-            </a:r>
-            <a:r>
-              <a:rPr lang="en-US" sz="800" dirty="0" err="1">
-                <a:solidFill>
-                  <a:schemeClr val="tx1">
-                    <a:lumMod val="75000"/>
-                    <a:lumOff val="25000"/>
-                  </a:schemeClr>
-                </a:solidFill>
-              </a:rPr>
-              <a:t>fsRRDL</a:t>
-            </a:r>
-            <a:r>
-              <a:rPr lang="en-US" sz="800" dirty="0">
-                <a:solidFill>
-                  <a:schemeClr val="tx1">
-                    <a:lumMod val="75000"/>
-                    <a:lumOff val="25000"/>
-                  </a:schemeClr>
-                </a:solidFill>
-              </a:rPr>
-              <a:t> males relative to WT</a:t>
-            </a:r>
-          </a:p>
-        </p:txBody>
-      </p:sp>
       <mc:AlternateContent xmlns:mc="http://schemas.openxmlformats.org/markup-compatibility/2006">
         <mc:Choice xmlns:a14="http://schemas.microsoft.com/office/drawing/2010/main" Requires="a14">
           <p:sp>
             <p:nvSpPr>
-              <p:cNvPr id="5" name="TextBox 4">
+              <p:cNvPr id="6" name="TextBox 5">
                 <a:extLst>
                   <a:ext uri="{FF2B5EF4-FFF2-40B4-BE49-F238E27FC236}">
-                    <a16:creationId xmlns:a16="http://schemas.microsoft.com/office/drawing/2014/main" id="{E5731779-4379-D647-36D3-382BC8AB3F12}"/>
+                    <a16:creationId xmlns:a16="http://schemas.microsoft.com/office/drawing/2014/main" id="{C3BA2CE8-4ED4-5429-B7A3-0D0A43DFF7A5}"/>
                   </a:ext>
                 </a:extLst>
               </p:cNvPr>
@@ -3657,8 +3371,8 @@
             </p:nvSpPr>
             <p:spPr>
               <a:xfrm>
-                <a:off x="2619031" y="76740"/>
-                <a:ext cx="1876769" cy="307776"/>
+                <a:off x="2669128" y="105321"/>
+                <a:ext cx="1988457" cy="353943"/>
               </a:xfrm>
               <a:prstGeom prst="rect">
                 <a:avLst/>
@@ -3674,14 +3388,20 @@
               <a:lstStyle/>
               <a:p>
                 <a:r>
-                  <a:rPr lang="en-US" sz="800" b="1" dirty="0"/>
+                  <a:rPr lang="en-US" sz="850" b="1" dirty="0">
+                    <a:solidFill>
+                      <a:schemeClr val="tx1"/>
+                    </a:solidFill>
+                  </a:rPr>
                   <a:t>Median time to elimination (TTE) of female population (when PoE</a:t>
                 </a:r>
                 <a14:m>
                   <m:oMath xmlns:m="http://schemas.openxmlformats.org/officeDocument/2006/math">
                     <m:r>
-                      <a:rPr lang="en-US" sz="800" b="1" i="1" dirty="0" smtClean="0">
-                        <a:latin typeface="Cambria Math" panose="02040503050406030204" pitchFamily="18" charset="0"/>
+                      <a:rPr lang="en-US" sz="850" b="1" i="1" dirty="0">
+                        <a:solidFill>
+                          <a:schemeClr val="tx1"/>
+                        </a:solidFill>
                         <a:ea typeface="Cambria Math" panose="02040503050406030204" pitchFamily="18" charset="0"/>
                       </a:rPr>
                       <m:t>≥</m:t>
@@ -3689,7 +3409,11 @@
                   </m:oMath>
                 </a14:m>
                 <a:r>
-                  <a:rPr lang="en-US" sz="800" b="1" dirty="0"/>
+                  <a:rPr lang="en-US" sz="850" b="1" dirty="0">
+                    <a:solidFill>
+                      <a:schemeClr val="tx1"/>
+                    </a:solidFill>
+                  </a:rPr>
                   <a:t>0.5)</a:t>
                 </a:r>
               </a:p>
@@ -3699,10 +3423,10 @@
         <mc:Fallback>
           <p:sp>
             <p:nvSpPr>
-              <p:cNvPr id="5" name="TextBox 4">
+              <p:cNvPr id="6" name="TextBox 5">
                 <a:extLst>
                   <a:ext uri="{FF2B5EF4-FFF2-40B4-BE49-F238E27FC236}">
-                    <a16:creationId xmlns:a16="http://schemas.microsoft.com/office/drawing/2014/main" id="{E5731779-4379-D647-36D3-382BC8AB3F12}"/>
+                    <a16:creationId xmlns:a16="http://schemas.microsoft.com/office/drawing/2014/main" id="{C3BA2CE8-4ED4-5429-B7A3-0D0A43DFF7A5}"/>
                   </a:ext>
                 </a:extLst>
               </p:cNvPr>
@@ -3713,16 +3437,16 @@
             </p:nvSpPr>
             <p:spPr>
               <a:xfrm>
-                <a:off x="2619031" y="76740"/>
-                <a:ext cx="1876769" cy="307776"/>
+                <a:off x="2669128" y="105321"/>
+                <a:ext cx="1988457" cy="353943"/>
               </a:xfrm>
               <a:prstGeom prst="rect">
                 <a:avLst/>
               </a:prstGeom>
               <a:blipFill>
-                <a:blip r:embed="rId6"/>
+                <a:blip r:embed="rId3"/>
                 <a:stretch>
-                  <a:fillRect b="-16000"/>
+                  <a:fillRect r="-637" b="-3571"/>
                 </a:stretch>
               </a:blipFill>
             </p:spPr>
@@ -3741,141 +3465,176 @@
           </p:sp>
         </mc:Fallback>
       </mc:AlternateContent>
-      <mc:AlternateContent xmlns:mc="http://schemas.openxmlformats.org/markup-compatibility/2006">
-        <mc:Choice xmlns:a14="http://schemas.microsoft.com/office/drawing/2010/main" Requires="a14">
-          <p:sp>
-            <p:nvSpPr>
-              <p:cNvPr id="6" name="TextBox 5">
-                <a:extLst>
-                  <a:ext uri="{FF2B5EF4-FFF2-40B4-BE49-F238E27FC236}">
-                    <a16:creationId xmlns:a16="http://schemas.microsoft.com/office/drawing/2014/main" id="{C930060F-DA94-4ED6-4282-41F1D8B2A6A1}"/>
-                  </a:ext>
-                </a:extLst>
-              </p:cNvPr>
-              <p:cNvSpPr txBox="1"/>
-              <p:nvPr/>
-            </p:nvSpPr>
-            <p:spPr>
-              <a:xfrm>
-                <a:off x="3550921" y="1198323"/>
-                <a:ext cx="783516" cy="338554"/>
-              </a:xfrm>
-              <a:prstGeom prst="rect">
-                <a:avLst/>
-              </a:prstGeom>
-              <a:noFill/>
-            </p:spPr>
-            <p:txBody>
-              <a:bodyPr wrap="square" rtlCol="0">
-                <a:spAutoFit/>
-              </a:bodyPr>
-              <a:lstStyle/>
-              <a:p>
-                <a:r>
-                  <a:rPr lang="en-US" sz="800" dirty="0">
-                    <a:solidFill>
-                      <a:schemeClr val="tx1">
-                        <a:lumMod val="75000"/>
-                        <a:lumOff val="25000"/>
-                      </a:schemeClr>
-                    </a:solidFill>
-                  </a:rPr>
-                  <a:t>Median </a:t>
-                </a:r>
-              </a:p>
-              <a:p>
-                <a:r>
-                  <a:rPr lang="en-US" sz="800" dirty="0">
-                    <a:solidFill>
-                      <a:schemeClr val="tx1">
-                        <a:lumMod val="75000"/>
-                        <a:lumOff val="25000"/>
-                      </a:schemeClr>
-                    </a:solidFill>
-                  </a:rPr>
-                  <a:t>TTE </a:t>
-                </a:r>
-                <a14:m>
-                  <m:oMath xmlns:m="http://schemas.openxmlformats.org/officeDocument/2006/math">
-                    <m:r>
-                      <a:rPr lang="en-US" sz="800" i="1" dirty="0" smtClean="0">
-                        <a:solidFill>
-                          <a:schemeClr val="tx1">
-                            <a:lumMod val="75000"/>
-                            <a:lumOff val="25000"/>
-                          </a:schemeClr>
-                        </a:solidFill>
-                        <a:latin typeface="Cambria Math" panose="02040503050406030204" pitchFamily="18" charset="0"/>
-                        <a:ea typeface="Cambria Math" panose="02040503050406030204" pitchFamily="18" charset="0"/>
-                      </a:rPr>
-                      <m:t>≤</m:t>
-                    </m:r>
-                  </m:oMath>
-                </a14:m>
-                <a:r>
-                  <a:rPr lang="en-US" sz="800" dirty="0">
-                    <a:solidFill>
-                      <a:schemeClr val="tx1">
-                        <a:lumMod val="75000"/>
-                        <a:lumOff val="25000"/>
-                      </a:schemeClr>
-                    </a:solidFill>
-                  </a:rPr>
-                  <a:t> 5 yrs </a:t>
-                </a:r>
-              </a:p>
-            </p:txBody>
-          </p:sp>
-        </mc:Choice>
-        <mc:Fallback>
-          <p:sp>
-            <p:nvSpPr>
-              <p:cNvPr id="6" name="TextBox 5">
-                <a:extLst>
-                  <a:ext uri="{FF2B5EF4-FFF2-40B4-BE49-F238E27FC236}">
-                    <a16:creationId xmlns:a16="http://schemas.microsoft.com/office/drawing/2014/main" id="{C930060F-DA94-4ED6-4282-41F1D8B2A6A1}"/>
-                  </a:ext>
-                </a:extLst>
-              </p:cNvPr>
-              <p:cNvSpPr txBox="1">
-                <a:spLocks noRot="1" noChangeAspect="1" noMove="1" noResize="1" noEditPoints="1" noAdjustHandles="1" noChangeArrowheads="1" noChangeShapeType="1" noTextEdit="1"/>
-              </p:cNvSpPr>
-              <p:nvPr/>
-            </p:nvSpPr>
-            <p:spPr>
-              <a:xfrm>
-                <a:off x="3550921" y="1198323"/>
-                <a:ext cx="783516" cy="338554"/>
-              </a:xfrm>
-              <a:prstGeom prst="rect">
-                <a:avLst/>
-              </a:prstGeom>
-              <a:blipFill>
-                <a:blip r:embed="rId7"/>
-                <a:stretch>
-                  <a:fillRect b="-7407"/>
-                </a:stretch>
-              </a:blipFill>
-            </p:spPr>
-            <p:txBody>
-              <a:bodyPr/>
-              <a:lstStyle/>
-              <a:p>
-                <a:r>
-                  <a:rPr lang="en-US">
-                    <a:noFill/>
-                  </a:rPr>
-                  <a:t> </a:t>
-                </a:r>
-              </a:p>
-            </p:txBody>
-          </p:sp>
-        </mc:Fallback>
-      </mc:AlternateContent>
+      <p:sp>
+        <p:nvSpPr>
+          <p:cNvPr id="7" name="TextBox 6">
+            <a:extLst>
+              <a:ext uri="{FF2B5EF4-FFF2-40B4-BE49-F238E27FC236}">
+                <a16:creationId xmlns:a16="http://schemas.microsoft.com/office/drawing/2014/main" id="{F74A57F5-600E-7038-1528-FA7D3BDDABD9}"/>
+              </a:ext>
+            </a:extLst>
+          </p:cNvPr>
+          <p:cNvSpPr txBox="1"/>
+          <p:nvPr/>
+        </p:nvSpPr>
+        <p:spPr>
+          <a:xfrm>
+            <a:off x="3305689" y="2755238"/>
+            <a:ext cx="809397" cy="215444"/>
+          </a:xfrm>
+          <a:prstGeom prst="rect">
+            <a:avLst/>
+          </a:prstGeom>
+          <a:noFill/>
+        </p:spPr>
+        <p:txBody>
+          <a:bodyPr wrap="square" rtlCol="0">
+            <a:spAutoFit/>
+          </a:bodyPr>
+          <a:lstStyle/>
+          <a:p>
+            <a:pPr algn="ctr"/>
+            <a:r>
+              <a:rPr lang="en-US" sz="800" dirty="0"/>
+              <a:t>(in years)</a:t>
+            </a:r>
+          </a:p>
+        </p:txBody>
+      </p:sp>
+      <p:pic>
+        <p:nvPicPr>
+          <p:cNvPr id="8" name="Picture 7" descr="A graph of different colored lines&#10;&#10;AI-generated content may be incorrect.">
+            <a:extLst>
+              <a:ext uri="{FF2B5EF4-FFF2-40B4-BE49-F238E27FC236}">
+                <a16:creationId xmlns:a16="http://schemas.microsoft.com/office/drawing/2014/main" id="{C7208FB4-7D97-7D8B-EE9F-7E26B7F22BD3}"/>
+              </a:ext>
+            </a:extLst>
+          </p:cNvPr>
+          <p:cNvPicPr>
+            <a:picLocks noChangeAspect="1"/>
+          </p:cNvPicPr>
+          <p:nvPr/>
+        </p:nvPicPr>
+        <p:blipFill>
+          <a:blip r:embed="rId4"/>
+          <a:stretch>
+            <a:fillRect/>
+          </a:stretch>
+        </p:blipFill>
+        <p:spPr>
+          <a:xfrm>
+            <a:off x="2306" y="3374851"/>
+            <a:ext cx="3163824" cy="2109217"/>
+          </a:xfrm>
+          <a:prstGeom prst="rect">
+            <a:avLst/>
+          </a:prstGeom>
+        </p:spPr>
+      </p:pic>
+      <p:pic>
+        <p:nvPicPr>
+          <p:cNvPr id="9" name="Picture 8" descr="A graph with a red line and blue line&#10;&#10;AI-generated content may be incorrect.">
+            <a:extLst>
+              <a:ext uri="{FF2B5EF4-FFF2-40B4-BE49-F238E27FC236}">
+                <a16:creationId xmlns:a16="http://schemas.microsoft.com/office/drawing/2014/main" id="{4F86CC34-8A93-EDDC-F69A-BEA3590B6A4F}"/>
+              </a:ext>
+            </a:extLst>
+          </p:cNvPr>
+          <p:cNvPicPr>
+            <a:picLocks noChangeAspect="1"/>
+          </p:cNvPicPr>
+          <p:nvPr/>
+        </p:nvPicPr>
+        <p:blipFill>
+          <a:blip r:embed="rId5"/>
+          <a:stretch>
+            <a:fillRect/>
+          </a:stretch>
+        </p:blipFill>
+        <p:spPr>
+          <a:xfrm>
+            <a:off x="3337544" y="3374851"/>
+            <a:ext cx="3519237" cy="2111543"/>
+          </a:xfrm>
+          <a:prstGeom prst="rect">
+            <a:avLst/>
+          </a:prstGeom>
+        </p:spPr>
+      </p:pic>
+      <p:sp>
+        <p:nvSpPr>
+          <p:cNvPr id="10" name="TextBox 9">
+            <a:extLst>
+              <a:ext uri="{FF2B5EF4-FFF2-40B4-BE49-F238E27FC236}">
+                <a16:creationId xmlns:a16="http://schemas.microsoft.com/office/drawing/2014/main" id="{64F1F987-9CB4-72B5-BBE5-CA49BD9C6463}"/>
+              </a:ext>
+            </a:extLst>
+          </p:cNvPr>
+          <p:cNvSpPr txBox="1"/>
+          <p:nvPr/>
+        </p:nvSpPr>
+        <p:spPr>
+          <a:xfrm>
+            <a:off x="-85483" y="3209396"/>
+            <a:ext cx="297526" cy="369332"/>
+          </a:xfrm>
+          <a:prstGeom prst="rect">
+            <a:avLst/>
+          </a:prstGeom>
+          <a:noFill/>
+        </p:spPr>
+        <p:txBody>
+          <a:bodyPr wrap="square" rtlCol="0">
+            <a:spAutoFit/>
+          </a:bodyPr>
+          <a:lstStyle/>
+          <a:p>
+            <a:r>
+              <a:rPr lang="en-US" b="1" dirty="0"/>
+              <a:t>d</a:t>
+            </a:r>
+          </a:p>
+        </p:txBody>
+      </p:sp>
+      <p:sp>
+        <p:nvSpPr>
+          <p:cNvPr id="11" name="TextBox 10">
+            <a:extLst>
+              <a:ext uri="{FF2B5EF4-FFF2-40B4-BE49-F238E27FC236}">
+                <a16:creationId xmlns:a16="http://schemas.microsoft.com/office/drawing/2014/main" id="{A3D7D441-C561-480D-C31D-D2FC61369591}"/>
+              </a:ext>
+            </a:extLst>
+          </p:cNvPr>
+          <p:cNvSpPr txBox="1"/>
+          <p:nvPr/>
+        </p:nvSpPr>
+        <p:spPr>
+          <a:xfrm>
+            <a:off x="3157550" y="3209396"/>
+            <a:ext cx="297526" cy="369332"/>
+          </a:xfrm>
+          <a:prstGeom prst="rect">
+            <a:avLst/>
+          </a:prstGeom>
+          <a:noFill/>
+        </p:spPr>
+        <p:txBody>
+          <a:bodyPr wrap="square" rtlCol="0">
+            <a:spAutoFit/>
+          </a:bodyPr>
+          <a:lstStyle/>
+          <a:p>
+            <a:r>
+              <a:rPr lang="en-US" b="1" dirty="0"/>
+              <a:t>e</a:t>
+            </a:r>
+          </a:p>
+        </p:txBody>
+      </p:sp>
     </p:spTree>
     <p:extLst>
       <p:ext uri="{BB962C8B-B14F-4D97-AF65-F5344CB8AC3E}">
-        <p14:creationId xmlns:p14="http://schemas.microsoft.com/office/powerpoint/2010/main" val="2338564883"/>
+        <p14:creationId xmlns:p14="http://schemas.microsoft.com/office/powerpoint/2010/main" val="2110864124"/>
       </p:ext>
     </p:extLst>
   </p:cSld>
